--- a/ppt 16-9/1327.祂的怒气.pptx
+++ b/ppt 16-9/1327.祂的怒气.pptx
@@ -5,7 +5,7 @@
     <p:sldMasterId id="2147483648" r:id="rId1"/>
   </p:sldMasterIdLst>
   <p:sldIdLst>
-    <p:sldId id="881" r:id="rId2"/>
+    <p:sldId id="882" r:id="rId2"/>
   </p:sldIdLst>
   <p:sldSz cx="12192000" cy="6858000"/>
   <p:notesSz cx="6858000" cy="9144000"/>
@@ -129,7 +129,7 @@
           <p:cNvPr id="2" name="标题 1">
             <a:extLst>
               <a:ext uri="{FF2B5EF4-FFF2-40B4-BE49-F238E27FC236}">
-                <a16:creationId xmlns:a16="http://schemas.microsoft.com/office/drawing/2014/main" id="{B11FCE95-62AE-9EC6-50D2-5400D2633C1B}"/>
+                <a16:creationId xmlns:a16="http://schemas.microsoft.com/office/drawing/2014/main" id="{EC4C8F90-3063-45BB-991D-9A6D039B1262}"/>
               </a:ext>
             </a:extLst>
           </p:cNvPr>
@@ -166,7 +166,7 @@
           <p:cNvPr id="3" name="副标题 2">
             <a:extLst>
               <a:ext uri="{FF2B5EF4-FFF2-40B4-BE49-F238E27FC236}">
-                <a16:creationId xmlns:a16="http://schemas.microsoft.com/office/drawing/2014/main" id="{1644C548-DD1F-0336-B113-FF0A047A7439}"/>
+                <a16:creationId xmlns:a16="http://schemas.microsoft.com/office/drawing/2014/main" id="{ACA326DD-AB04-69AC-F096-F021E64814EB}"/>
               </a:ext>
             </a:extLst>
           </p:cNvPr>
@@ -236,7 +236,7 @@
           <p:cNvPr id="4" name="日期占位符 3">
             <a:extLst>
               <a:ext uri="{FF2B5EF4-FFF2-40B4-BE49-F238E27FC236}">
-                <a16:creationId xmlns:a16="http://schemas.microsoft.com/office/drawing/2014/main" id="{6DC7A21C-B719-AF4B-F1E4-9F33209FBC2E}"/>
+                <a16:creationId xmlns:a16="http://schemas.microsoft.com/office/drawing/2014/main" id="{2EF310D6-6F3A-C1F0-F528-5F1BA17C834A}"/>
               </a:ext>
             </a:extLst>
           </p:cNvPr>
@@ -252,7 +252,7 @@
           <a:bodyPr/>
           <a:lstStyle/>
           <a:p>
-            <a:fld id="{F36EAD12-3631-471C-89E0-3D717AB0D527}" type="datetimeFigureOut">
+            <a:fld id="{7FBEBD2A-85F5-47D1-A1AA-FEA482E0AC85}" type="datetimeFigureOut">
               <a:rPr lang="zh-CN" altLang="en-US" smtClean="0"/>
               <a:t>2024/3/10</a:t>
             </a:fld>
@@ -265,7 +265,7 @@
           <p:cNvPr id="5" name="页脚占位符 4">
             <a:extLst>
               <a:ext uri="{FF2B5EF4-FFF2-40B4-BE49-F238E27FC236}">
-                <a16:creationId xmlns:a16="http://schemas.microsoft.com/office/drawing/2014/main" id="{F1BE574B-9D31-CA83-85A6-ABB20EC3D119}"/>
+                <a16:creationId xmlns:a16="http://schemas.microsoft.com/office/drawing/2014/main" id="{D2525896-45A9-0932-CCC7-7D4922DD499A}"/>
               </a:ext>
             </a:extLst>
           </p:cNvPr>
@@ -290,7 +290,7 @@
           <p:cNvPr id="6" name="灯片编号占位符 5">
             <a:extLst>
               <a:ext uri="{FF2B5EF4-FFF2-40B4-BE49-F238E27FC236}">
-                <a16:creationId xmlns:a16="http://schemas.microsoft.com/office/drawing/2014/main" id="{E3C29E80-F2C3-68AB-F928-F512C0429F5F}"/>
+                <a16:creationId xmlns:a16="http://schemas.microsoft.com/office/drawing/2014/main" id="{70F83A03-2329-B88B-8597-4AEFE8F7F8A0}"/>
               </a:ext>
             </a:extLst>
           </p:cNvPr>
@@ -306,7 +306,7 @@
           <a:bodyPr/>
           <a:lstStyle/>
           <a:p>
-            <a:fld id="{C9215445-81B7-40F6-9223-4ECF76F42A1F}" type="slidenum">
+            <a:fld id="{05F5B3F1-88C6-4467-8E4F-7E0B7FB70B2A}" type="slidenum">
               <a:rPr lang="zh-CN" altLang="en-US" smtClean="0"/>
               <a:t>‹#›</a:t>
             </a:fld>
@@ -317,7 +317,7 @@
     </p:spTree>
     <p:extLst>
       <p:ext uri="{BB962C8B-B14F-4D97-AF65-F5344CB8AC3E}">
-        <p14:creationId xmlns:p14="http://schemas.microsoft.com/office/powerpoint/2010/main" val="640370333"/>
+        <p14:creationId xmlns:p14="http://schemas.microsoft.com/office/powerpoint/2010/main" val="374241415"/>
       </p:ext>
     </p:extLst>
   </p:cSld>
@@ -349,7 +349,7 @@
           <p:cNvPr id="2" name="标题 1">
             <a:extLst>
               <a:ext uri="{FF2B5EF4-FFF2-40B4-BE49-F238E27FC236}">
-                <a16:creationId xmlns:a16="http://schemas.microsoft.com/office/drawing/2014/main" id="{16C5D8EF-7DA5-D008-FB58-BAD0D474B6A2}"/>
+                <a16:creationId xmlns:a16="http://schemas.microsoft.com/office/drawing/2014/main" id="{3859585A-B745-1365-ED57-DE52AA75BC33}"/>
               </a:ext>
             </a:extLst>
           </p:cNvPr>
@@ -377,7 +377,7 @@
           <p:cNvPr id="3" name="竖排文字占位符 2">
             <a:extLst>
               <a:ext uri="{FF2B5EF4-FFF2-40B4-BE49-F238E27FC236}">
-                <a16:creationId xmlns:a16="http://schemas.microsoft.com/office/drawing/2014/main" id="{79CCAAC8-F754-CF3B-E0A4-ED6C37D97FF5}"/>
+                <a16:creationId xmlns:a16="http://schemas.microsoft.com/office/drawing/2014/main" id="{441BD2C6-7814-CD1C-0532-EC1D9B5B3242}"/>
               </a:ext>
             </a:extLst>
           </p:cNvPr>
@@ -434,7 +434,7 @@
           <p:cNvPr id="4" name="日期占位符 3">
             <a:extLst>
               <a:ext uri="{FF2B5EF4-FFF2-40B4-BE49-F238E27FC236}">
-                <a16:creationId xmlns:a16="http://schemas.microsoft.com/office/drawing/2014/main" id="{D058FA4D-92F8-0A1B-E162-1547C6A16591}"/>
+                <a16:creationId xmlns:a16="http://schemas.microsoft.com/office/drawing/2014/main" id="{C72C7E00-29FC-F3B0-E962-468DC87BE6F7}"/>
               </a:ext>
             </a:extLst>
           </p:cNvPr>
@@ -450,7 +450,7 @@
           <a:bodyPr/>
           <a:lstStyle/>
           <a:p>
-            <a:fld id="{F36EAD12-3631-471C-89E0-3D717AB0D527}" type="datetimeFigureOut">
+            <a:fld id="{7FBEBD2A-85F5-47D1-A1AA-FEA482E0AC85}" type="datetimeFigureOut">
               <a:rPr lang="zh-CN" altLang="en-US" smtClean="0"/>
               <a:t>2024/3/10</a:t>
             </a:fld>
@@ -463,7 +463,7 @@
           <p:cNvPr id="5" name="页脚占位符 4">
             <a:extLst>
               <a:ext uri="{FF2B5EF4-FFF2-40B4-BE49-F238E27FC236}">
-                <a16:creationId xmlns:a16="http://schemas.microsoft.com/office/drawing/2014/main" id="{D75CD5A1-17D2-4FD2-4719-825CC2C1E447}"/>
+                <a16:creationId xmlns:a16="http://schemas.microsoft.com/office/drawing/2014/main" id="{CA00294E-53A7-37C7-914B-00422D41FBC2}"/>
               </a:ext>
             </a:extLst>
           </p:cNvPr>
@@ -488,7 +488,7 @@
           <p:cNvPr id="6" name="灯片编号占位符 5">
             <a:extLst>
               <a:ext uri="{FF2B5EF4-FFF2-40B4-BE49-F238E27FC236}">
-                <a16:creationId xmlns:a16="http://schemas.microsoft.com/office/drawing/2014/main" id="{C839EEBE-377F-C9E0-04E1-C346F2420F45}"/>
+                <a16:creationId xmlns:a16="http://schemas.microsoft.com/office/drawing/2014/main" id="{8F9DDD29-6D1A-1E0D-7B87-F48AD3DE0292}"/>
               </a:ext>
             </a:extLst>
           </p:cNvPr>
@@ -504,7 +504,7 @@
           <a:bodyPr/>
           <a:lstStyle/>
           <a:p>
-            <a:fld id="{C9215445-81B7-40F6-9223-4ECF76F42A1F}" type="slidenum">
+            <a:fld id="{05F5B3F1-88C6-4467-8E4F-7E0B7FB70B2A}" type="slidenum">
               <a:rPr lang="zh-CN" altLang="en-US" smtClean="0"/>
               <a:t>‹#›</a:t>
             </a:fld>
@@ -515,7 +515,7 @@
     </p:spTree>
     <p:extLst>
       <p:ext uri="{BB962C8B-B14F-4D97-AF65-F5344CB8AC3E}">
-        <p14:creationId xmlns:p14="http://schemas.microsoft.com/office/powerpoint/2010/main" val="4265468734"/>
+        <p14:creationId xmlns:p14="http://schemas.microsoft.com/office/powerpoint/2010/main" val="299316273"/>
       </p:ext>
     </p:extLst>
   </p:cSld>
@@ -547,7 +547,7 @@
           <p:cNvPr id="2" name="竖排标题 1">
             <a:extLst>
               <a:ext uri="{FF2B5EF4-FFF2-40B4-BE49-F238E27FC236}">
-                <a16:creationId xmlns:a16="http://schemas.microsoft.com/office/drawing/2014/main" id="{0B545FF1-9C99-08C8-AB23-721DFF19131D}"/>
+                <a16:creationId xmlns:a16="http://schemas.microsoft.com/office/drawing/2014/main" id="{91831D41-5DB4-20B7-FBEB-90CCF3607985}"/>
               </a:ext>
             </a:extLst>
           </p:cNvPr>
@@ -580,7 +580,7 @@
           <p:cNvPr id="3" name="竖排文字占位符 2">
             <a:extLst>
               <a:ext uri="{FF2B5EF4-FFF2-40B4-BE49-F238E27FC236}">
-                <a16:creationId xmlns:a16="http://schemas.microsoft.com/office/drawing/2014/main" id="{D679DD17-2588-E808-D1BA-04426268728F}"/>
+                <a16:creationId xmlns:a16="http://schemas.microsoft.com/office/drawing/2014/main" id="{C766684B-6661-B64B-6451-3D8A2BC3DA67}"/>
               </a:ext>
             </a:extLst>
           </p:cNvPr>
@@ -642,7 +642,7 @@
           <p:cNvPr id="4" name="日期占位符 3">
             <a:extLst>
               <a:ext uri="{FF2B5EF4-FFF2-40B4-BE49-F238E27FC236}">
-                <a16:creationId xmlns:a16="http://schemas.microsoft.com/office/drawing/2014/main" id="{47679BA1-048E-A626-54B2-5DE85219ACED}"/>
+                <a16:creationId xmlns:a16="http://schemas.microsoft.com/office/drawing/2014/main" id="{ED344233-EB78-7AA8-AEED-3AA2D2F6D9C0}"/>
               </a:ext>
             </a:extLst>
           </p:cNvPr>
@@ -658,7 +658,7 @@
           <a:bodyPr/>
           <a:lstStyle/>
           <a:p>
-            <a:fld id="{F36EAD12-3631-471C-89E0-3D717AB0D527}" type="datetimeFigureOut">
+            <a:fld id="{7FBEBD2A-85F5-47D1-A1AA-FEA482E0AC85}" type="datetimeFigureOut">
               <a:rPr lang="zh-CN" altLang="en-US" smtClean="0"/>
               <a:t>2024/3/10</a:t>
             </a:fld>
@@ -671,7 +671,7 @@
           <p:cNvPr id="5" name="页脚占位符 4">
             <a:extLst>
               <a:ext uri="{FF2B5EF4-FFF2-40B4-BE49-F238E27FC236}">
-                <a16:creationId xmlns:a16="http://schemas.microsoft.com/office/drawing/2014/main" id="{56CD2266-C13A-0182-0FC4-5EAFE903BD83}"/>
+                <a16:creationId xmlns:a16="http://schemas.microsoft.com/office/drawing/2014/main" id="{BB6E1CEF-E46F-FDFA-839E-87884A3C5628}"/>
               </a:ext>
             </a:extLst>
           </p:cNvPr>
@@ -696,7 +696,7 @@
           <p:cNvPr id="6" name="灯片编号占位符 5">
             <a:extLst>
               <a:ext uri="{FF2B5EF4-FFF2-40B4-BE49-F238E27FC236}">
-                <a16:creationId xmlns:a16="http://schemas.microsoft.com/office/drawing/2014/main" id="{7E185076-EF41-84DA-115E-54FBA78A5AF5}"/>
+                <a16:creationId xmlns:a16="http://schemas.microsoft.com/office/drawing/2014/main" id="{9D43F763-8CC5-60C2-BEA5-ACDD67731692}"/>
               </a:ext>
             </a:extLst>
           </p:cNvPr>
@@ -712,7 +712,7 @@
           <a:bodyPr/>
           <a:lstStyle/>
           <a:p>
-            <a:fld id="{C9215445-81B7-40F6-9223-4ECF76F42A1F}" type="slidenum">
+            <a:fld id="{05F5B3F1-88C6-4467-8E4F-7E0B7FB70B2A}" type="slidenum">
               <a:rPr lang="zh-CN" altLang="en-US" smtClean="0"/>
               <a:t>‹#›</a:t>
             </a:fld>
@@ -723,7 +723,7 @@
     </p:spTree>
     <p:extLst>
       <p:ext uri="{BB962C8B-B14F-4D97-AF65-F5344CB8AC3E}">
-        <p14:creationId xmlns:p14="http://schemas.microsoft.com/office/powerpoint/2010/main" val="901557535"/>
+        <p14:creationId xmlns:p14="http://schemas.microsoft.com/office/powerpoint/2010/main" val="371526847"/>
       </p:ext>
     </p:extLst>
   </p:cSld>
@@ -755,7 +755,7 @@
           <p:cNvPr id="2" name="标题 1">
             <a:extLst>
               <a:ext uri="{FF2B5EF4-FFF2-40B4-BE49-F238E27FC236}">
-                <a16:creationId xmlns:a16="http://schemas.microsoft.com/office/drawing/2014/main" id="{448CCFB5-8023-8A21-B9DF-0FEF35617E06}"/>
+                <a16:creationId xmlns:a16="http://schemas.microsoft.com/office/drawing/2014/main" id="{E820C2C4-E388-6874-AF6E-715BB87D6585}"/>
               </a:ext>
             </a:extLst>
           </p:cNvPr>
@@ -783,7 +783,7 @@
           <p:cNvPr id="3" name="内容占位符 2">
             <a:extLst>
               <a:ext uri="{FF2B5EF4-FFF2-40B4-BE49-F238E27FC236}">
-                <a16:creationId xmlns:a16="http://schemas.microsoft.com/office/drawing/2014/main" id="{492CA10C-F105-32F7-0FCF-EDF74AF0586C}"/>
+                <a16:creationId xmlns:a16="http://schemas.microsoft.com/office/drawing/2014/main" id="{61972F24-188F-55F5-98FB-604C5C28D0C1}"/>
               </a:ext>
             </a:extLst>
           </p:cNvPr>
@@ -840,7 +840,7 @@
           <p:cNvPr id="4" name="日期占位符 3">
             <a:extLst>
               <a:ext uri="{FF2B5EF4-FFF2-40B4-BE49-F238E27FC236}">
-                <a16:creationId xmlns:a16="http://schemas.microsoft.com/office/drawing/2014/main" id="{AB842948-6B54-EF5F-E712-1CFC9B3361C1}"/>
+                <a16:creationId xmlns:a16="http://schemas.microsoft.com/office/drawing/2014/main" id="{86D0F61D-7A7B-DBDA-E1DC-F2120F7F1058}"/>
               </a:ext>
             </a:extLst>
           </p:cNvPr>
@@ -856,7 +856,7 @@
           <a:bodyPr/>
           <a:lstStyle/>
           <a:p>
-            <a:fld id="{F36EAD12-3631-471C-89E0-3D717AB0D527}" type="datetimeFigureOut">
+            <a:fld id="{7FBEBD2A-85F5-47D1-A1AA-FEA482E0AC85}" type="datetimeFigureOut">
               <a:rPr lang="zh-CN" altLang="en-US" smtClean="0"/>
               <a:t>2024/3/10</a:t>
             </a:fld>
@@ -869,7 +869,7 @@
           <p:cNvPr id="5" name="页脚占位符 4">
             <a:extLst>
               <a:ext uri="{FF2B5EF4-FFF2-40B4-BE49-F238E27FC236}">
-                <a16:creationId xmlns:a16="http://schemas.microsoft.com/office/drawing/2014/main" id="{4D3EF2DE-D45F-D82F-2868-9C0D7E08D16F}"/>
+                <a16:creationId xmlns:a16="http://schemas.microsoft.com/office/drawing/2014/main" id="{08EFA907-9F87-006E-DE71-24CA95B5F488}"/>
               </a:ext>
             </a:extLst>
           </p:cNvPr>
@@ -894,7 +894,7 @@
           <p:cNvPr id="6" name="灯片编号占位符 5">
             <a:extLst>
               <a:ext uri="{FF2B5EF4-FFF2-40B4-BE49-F238E27FC236}">
-                <a16:creationId xmlns:a16="http://schemas.microsoft.com/office/drawing/2014/main" id="{A88C3DC2-094C-559D-A9C0-DFBE41247226}"/>
+                <a16:creationId xmlns:a16="http://schemas.microsoft.com/office/drawing/2014/main" id="{88027F9A-6903-8463-E938-9C0FD577F6D2}"/>
               </a:ext>
             </a:extLst>
           </p:cNvPr>
@@ -910,7 +910,7 @@
           <a:bodyPr/>
           <a:lstStyle/>
           <a:p>
-            <a:fld id="{C9215445-81B7-40F6-9223-4ECF76F42A1F}" type="slidenum">
+            <a:fld id="{05F5B3F1-88C6-4467-8E4F-7E0B7FB70B2A}" type="slidenum">
               <a:rPr lang="zh-CN" altLang="en-US" smtClean="0"/>
               <a:t>‹#›</a:t>
             </a:fld>
@@ -921,7 +921,7 @@
     </p:spTree>
     <p:extLst>
       <p:ext uri="{BB962C8B-B14F-4D97-AF65-F5344CB8AC3E}">
-        <p14:creationId xmlns:p14="http://schemas.microsoft.com/office/powerpoint/2010/main" val="1934343968"/>
+        <p14:creationId xmlns:p14="http://schemas.microsoft.com/office/powerpoint/2010/main" val="287451306"/>
       </p:ext>
     </p:extLst>
   </p:cSld>
@@ -953,7 +953,7 @@
           <p:cNvPr id="2" name="标题 1">
             <a:extLst>
               <a:ext uri="{FF2B5EF4-FFF2-40B4-BE49-F238E27FC236}">
-                <a16:creationId xmlns:a16="http://schemas.microsoft.com/office/drawing/2014/main" id="{AC29FB25-4808-F444-D175-77E162C8AD15}"/>
+                <a16:creationId xmlns:a16="http://schemas.microsoft.com/office/drawing/2014/main" id="{41DE1E1B-3507-6962-5E02-0F2EA33914BB}"/>
               </a:ext>
             </a:extLst>
           </p:cNvPr>
@@ -990,7 +990,7 @@
           <p:cNvPr id="3" name="文本占位符 2">
             <a:extLst>
               <a:ext uri="{FF2B5EF4-FFF2-40B4-BE49-F238E27FC236}">
-                <a16:creationId xmlns:a16="http://schemas.microsoft.com/office/drawing/2014/main" id="{747455E9-BE82-5E14-2A5D-5AD7406F12DC}"/>
+                <a16:creationId xmlns:a16="http://schemas.microsoft.com/office/drawing/2014/main" id="{B8D16E8B-80BA-4DE7-34D8-6AF95E2F1A87}"/>
               </a:ext>
             </a:extLst>
           </p:cNvPr>
@@ -1115,7 +1115,7 @@
           <p:cNvPr id="4" name="日期占位符 3">
             <a:extLst>
               <a:ext uri="{FF2B5EF4-FFF2-40B4-BE49-F238E27FC236}">
-                <a16:creationId xmlns:a16="http://schemas.microsoft.com/office/drawing/2014/main" id="{9B23CA53-C58A-58FD-84E3-6010E2C6B9E4}"/>
+                <a16:creationId xmlns:a16="http://schemas.microsoft.com/office/drawing/2014/main" id="{B1E8D0B8-2EC5-12FA-467A-FE16EAFEAA66}"/>
               </a:ext>
             </a:extLst>
           </p:cNvPr>
@@ -1131,7 +1131,7 @@
           <a:bodyPr/>
           <a:lstStyle/>
           <a:p>
-            <a:fld id="{F36EAD12-3631-471C-89E0-3D717AB0D527}" type="datetimeFigureOut">
+            <a:fld id="{7FBEBD2A-85F5-47D1-A1AA-FEA482E0AC85}" type="datetimeFigureOut">
               <a:rPr lang="zh-CN" altLang="en-US" smtClean="0"/>
               <a:t>2024/3/10</a:t>
             </a:fld>
@@ -1144,7 +1144,7 @@
           <p:cNvPr id="5" name="页脚占位符 4">
             <a:extLst>
               <a:ext uri="{FF2B5EF4-FFF2-40B4-BE49-F238E27FC236}">
-                <a16:creationId xmlns:a16="http://schemas.microsoft.com/office/drawing/2014/main" id="{1CEE6E14-8CCF-5E6A-98ED-5A89C43AD160}"/>
+                <a16:creationId xmlns:a16="http://schemas.microsoft.com/office/drawing/2014/main" id="{A87291D8-04ED-396B-D09E-CCBAAA3F091F}"/>
               </a:ext>
             </a:extLst>
           </p:cNvPr>
@@ -1169,7 +1169,7 @@
           <p:cNvPr id="6" name="灯片编号占位符 5">
             <a:extLst>
               <a:ext uri="{FF2B5EF4-FFF2-40B4-BE49-F238E27FC236}">
-                <a16:creationId xmlns:a16="http://schemas.microsoft.com/office/drawing/2014/main" id="{453B49FD-CF6F-18C7-2040-0E31799172E9}"/>
+                <a16:creationId xmlns:a16="http://schemas.microsoft.com/office/drawing/2014/main" id="{9D080A1E-57BB-2ECD-1E30-0D12489283F0}"/>
               </a:ext>
             </a:extLst>
           </p:cNvPr>
@@ -1185,7 +1185,7 @@
           <a:bodyPr/>
           <a:lstStyle/>
           <a:p>
-            <a:fld id="{C9215445-81B7-40F6-9223-4ECF76F42A1F}" type="slidenum">
+            <a:fld id="{05F5B3F1-88C6-4467-8E4F-7E0B7FB70B2A}" type="slidenum">
               <a:rPr lang="zh-CN" altLang="en-US" smtClean="0"/>
               <a:t>‹#›</a:t>
             </a:fld>
@@ -1196,7 +1196,7 @@
     </p:spTree>
     <p:extLst>
       <p:ext uri="{BB962C8B-B14F-4D97-AF65-F5344CB8AC3E}">
-        <p14:creationId xmlns:p14="http://schemas.microsoft.com/office/powerpoint/2010/main" val="236940239"/>
+        <p14:creationId xmlns:p14="http://schemas.microsoft.com/office/powerpoint/2010/main" val="3420057667"/>
       </p:ext>
     </p:extLst>
   </p:cSld>
@@ -1228,7 +1228,7 @@
           <p:cNvPr id="2" name="标题 1">
             <a:extLst>
               <a:ext uri="{FF2B5EF4-FFF2-40B4-BE49-F238E27FC236}">
-                <a16:creationId xmlns:a16="http://schemas.microsoft.com/office/drawing/2014/main" id="{A40BA1A1-D5F0-50D6-60D3-657CB28A49E5}"/>
+                <a16:creationId xmlns:a16="http://schemas.microsoft.com/office/drawing/2014/main" id="{6154670B-4937-B2DE-94C0-19AC2C61F6B7}"/>
               </a:ext>
             </a:extLst>
           </p:cNvPr>
@@ -1256,7 +1256,7 @@
           <p:cNvPr id="3" name="内容占位符 2">
             <a:extLst>
               <a:ext uri="{FF2B5EF4-FFF2-40B4-BE49-F238E27FC236}">
-                <a16:creationId xmlns:a16="http://schemas.microsoft.com/office/drawing/2014/main" id="{8DBD9EBD-2B36-4338-C4CA-25C038D1B4E4}"/>
+                <a16:creationId xmlns:a16="http://schemas.microsoft.com/office/drawing/2014/main" id="{5E95883C-694C-3EAF-83C3-27F735FA69AF}"/>
               </a:ext>
             </a:extLst>
           </p:cNvPr>
@@ -1318,7 +1318,7 @@
           <p:cNvPr id="4" name="内容占位符 3">
             <a:extLst>
               <a:ext uri="{FF2B5EF4-FFF2-40B4-BE49-F238E27FC236}">
-                <a16:creationId xmlns:a16="http://schemas.microsoft.com/office/drawing/2014/main" id="{D6B4FFDC-4E29-F2FF-C90D-1B94567BEF3D}"/>
+                <a16:creationId xmlns:a16="http://schemas.microsoft.com/office/drawing/2014/main" id="{D2983553-DCE8-8C6A-CB8B-46431BABB514}"/>
               </a:ext>
             </a:extLst>
           </p:cNvPr>
@@ -1380,7 +1380,7 @@
           <p:cNvPr id="5" name="日期占位符 4">
             <a:extLst>
               <a:ext uri="{FF2B5EF4-FFF2-40B4-BE49-F238E27FC236}">
-                <a16:creationId xmlns:a16="http://schemas.microsoft.com/office/drawing/2014/main" id="{74A009D0-CD35-E27B-56D3-F726622A6B2E}"/>
+                <a16:creationId xmlns:a16="http://schemas.microsoft.com/office/drawing/2014/main" id="{FCD59F41-4DA1-6A92-BADC-ED10D45D4EF6}"/>
               </a:ext>
             </a:extLst>
           </p:cNvPr>
@@ -1396,7 +1396,7 @@
           <a:bodyPr/>
           <a:lstStyle/>
           <a:p>
-            <a:fld id="{F36EAD12-3631-471C-89E0-3D717AB0D527}" type="datetimeFigureOut">
+            <a:fld id="{7FBEBD2A-85F5-47D1-A1AA-FEA482E0AC85}" type="datetimeFigureOut">
               <a:rPr lang="zh-CN" altLang="en-US" smtClean="0"/>
               <a:t>2024/3/10</a:t>
             </a:fld>
@@ -1409,7 +1409,7 @@
           <p:cNvPr id="6" name="页脚占位符 5">
             <a:extLst>
               <a:ext uri="{FF2B5EF4-FFF2-40B4-BE49-F238E27FC236}">
-                <a16:creationId xmlns:a16="http://schemas.microsoft.com/office/drawing/2014/main" id="{52736AA9-BE26-601A-9E88-74FF0654F0E0}"/>
+                <a16:creationId xmlns:a16="http://schemas.microsoft.com/office/drawing/2014/main" id="{CCFB70DB-545F-ABB7-BB8E-F8CF9BE1106B}"/>
               </a:ext>
             </a:extLst>
           </p:cNvPr>
@@ -1434,7 +1434,7 @@
           <p:cNvPr id="7" name="灯片编号占位符 6">
             <a:extLst>
               <a:ext uri="{FF2B5EF4-FFF2-40B4-BE49-F238E27FC236}">
-                <a16:creationId xmlns:a16="http://schemas.microsoft.com/office/drawing/2014/main" id="{0071F995-8F2E-8772-D9BB-3BAA71622A20}"/>
+                <a16:creationId xmlns:a16="http://schemas.microsoft.com/office/drawing/2014/main" id="{4BB57F02-3060-0977-509C-E40CB6B00F82}"/>
               </a:ext>
             </a:extLst>
           </p:cNvPr>
@@ -1450,7 +1450,7 @@
           <a:bodyPr/>
           <a:lstStyle/>
           <a:p>
-            <a:fld id="{C9215445-81B7-40F6-9223-4ECF76F42A1F}" type="slidenum">
+            <a:fld id="{05F5B3F1-88C6-4467-8E4F-7E0B7FB70B2A}" type="slidenum">
               <a:rPr lang="zh-CN" altLang="en-US" smtClean="0"/>
               <a:t>‹#›</a:t>
             </a:fld>
@@ -1461,7 +1461,7 @@
     </p:spTree>
     <p:extLst>
       <p:ext uri="{BB962C8B-B14F-4D97-AF65-F5344CB8AC3E}">
-        <p14:creationId xmlns:p14="http://schemas.microsoft.com/office/powerpoint/2010/main" val="3946284506"/>
+        <p14:creationId xmlns:p14="http://schemas.microsoft.com/office/powerpoint/2010/main" val="4162935436"/>
       </p:ext>
     </p:extLst>
   </p:cSld>
@@ -1493,7 +1493,7 @@
           <p:cNvPr id="2" name="标题 1">
             <a:extLst>
               <a:ext uri="{FF2B5EF4-FFF2-40B4-BE49-F238E27FC236}">
-                <a16:creationId xmlns:a16="http://schemas.microsoft.com/office/drawing/2014/main" id="{6AAFCA01-53F4-63DB-DAB4-67D046380121}"/>
+                <a16:creationId xmlns:a16="http://schemas.microsoft.com/office/drawing/2014/main" id="{F3DCC86D-271A-A858-07AD-23E29E0E60E5}"/>
               </a:ext>
             </a:extLst>
           </p:cNvPr>
@@ -1526,7 +1526,7 @@
           <p:cNvPr id="3" name="文本占位符 2">
             <a:extLst>
               <a:ext uri="{FF2B5EF4-FFF2-40B4-BE49-F238E27FC236}">
-                <a16:creationId xmlns:a16="http://schemas.microsoft.com/office/drawing/2014/main" id="{755E7632-0EFF-49AD-6255-8986E721EAE0}"/>
+                <a16:creationId xmlns:a16="http://schemas.microsoft.com/office/drawing/2014/main" id="{C81982D6-BEED-E8B2-5CCE-776A3610BED1}"/>
               </a:ext>
             </a:extLst>
           </p:cNvPr>
@@ -1597,7 +1597,7 @@
           <p:cNvPr id="4" name="内容占位符 3">
             <a:extLst>
               <a:ext uri="{FF2B5EF4-FFF2-40B4-BE49-F238E27FC236}">
-                <a16:creationId xmlns:a16="http://schemas.microsoft.com/office/drawing/2014/main" id="{64B79323-65BC-12EF-3478-9E1781CC775E}"/>
+                <a16:creationId xmlns:a16="http://schemas.microsoft.com/office/drawing/2014/main" id="{4A20FE58-729C-F714-0633-00C908599036}"/>
               </a:ext>
             </a:extLst>
           </p:cNvPr>
@@ -1659,7 +1659,7 @@
           <p:cNvPr id="5" name="文本占位符 4">
             <a:extLst>
               <a:ext uri="{FF2B5EF4-FFF2-40B4-BE49-F238E27FC236}">
-                <a16:creationId xmlns:a16="http://schemas.microsoft.com/office/drawing/2014/main" id="{92543137-ED1D-EA90-C23A-BDBD4D5B57B3}"/>
+                <a16:creationId xmlns:a16="http://schemas.microsoft.com/office/drawing/2014/main" id="{26ABC17C-6BF4-CDA7-8DBB-CBD44F65846F}"/>
               </a:ext>
             </a:extLst>
           </p:cNvPr>
@@ -1730,7 +1730,7 @@
           <p:cNvPr id="6" name="内容占位符 5">
             <a:extLst>
               <a:ext uri="{FF2B5EF4-FFF2-40B4-BE49-F238E27FC236}">
-                <a16:creationId xmlns:a16="http://schemas.microsoft.com/office/drawing/2014/main" id="{7E434B2E-D343-6142-8960-640762FB0261}"/>
+                <a16:creationId xmlns:a16="http://schemas.microsoft.com/office/drawing/2014/main" id="{E97711BC-5993-0991-6A7E-9A2C5272648A}"/>
               </a:ext>
             </a:extLst>
           </p:cNvPr>
@@ -1792,7 +1792,7 @@
           <p:cNvPr id="7" name="日期占位符 6">
             <a:extLst>
               <a:ext uri="{FF2B5EF4-FFF2-40B4-BE49-F238E27FC236}">
-                <a16:creationId xmlns:a16="http://schemas.microsoft.com/office/drawing/2014/main" id="{5802C635-A199-D3F8-AADC-01D173E0E648}"/>
+                <a16:creationId xmlns:a16="http://schemas.microsoft.com/office/drawing/2014/main" id="{BBDE9EC5-EAFB-811E-0475-59A1766625F0}"/>
               </a:ext>
             </a:extLst>
           </p:cNvPr>
@@ -1808,7 +1808,7 @@
           <a:bodyPr/>
           <a:lstStyle/>
           <a:p>
-            <a:fld id="{F36EAD12-3631-471C-89E0-3D717AB0D527}" type="datetimeFigureOut">
+            <a:fld id="{7FBEBD2A-85F5-47D1-A1AA-FEA482E0AC85}" type="datetimeFigureOut">
               <a:rPr lang="zh-CN" altLang="en-US" smtClean="0"/>
               <a:t>2024/3/10</a:t>
             </a:fld>
@@ -1821,7 +1821,7 @@
           <p:cNvPr id="8" name="页脚占位符 7">
             <a:extLst>
               <a:ext uri="{FF2B5EF4-FFF2-40B4-BE49-F238E27FC236}">
-                <a16:creationId xmlns:a16="http://schemas.microsoft.com/office/drawing/2014/main" id="{020706C6-943E-038D-F710-2EE3D5D701EA}"/>
+                <a16:creationId xmlns:a16="http://schemas.microsoft.com/office/drawing/2014/main" id="{76A41CC6-E0E0-81EE-B43D-4A2CB81D233C}"/>
               </a:ext>
             </a:extLst>
           </p:cNvPr>
@@ -1846,7 +1846,7 @@
           <p:cNvPr id="9" name="灯片编号占位符 8">
             <a:extLst>
               <a:ext uri="{FF2B5EF4-FFF2-40B4-BE49-F238E27FC236}">
-                <a16:creationId xmlns:a16="http://schemas.microsoft.com/office/drawing/2014/main" id="{2097D016-B9FD-B200-12A6-2E317FE03C3A}"/>
+                <a16:creationId xmlns:a16="http://schemas.microsoft.com/office/drawing/2014/main" id="{7D3F62C2-455E-B289-9D8D-54F1A793ACDC}"/>
               </a:ext>
             </a:extLst>
           </p:cNvPr>
@@ -1862,7 +1862,7 @@
           <a:bodyPr/>
           <a:lstStyle/>
           <a:p>
-            <a:fld id="{C9215445-81B7-40F6-9223-4ECF76F42A1F}" type="slidenum">
+            <a:fld id="{05F5B3F1-88C6-4467-8E4F-7E0B7FB70B2A}" type="slidenum">
               <a:rPr lang="zh-CN" altLang="en-US" smtClean="0"/>
               <a:t>‹#›</a:t>
             </a:fld>
@@ -1873,7 +1873,7 @@
     </p:spTree>
     <p:extLst>
       <p:ext uri="{BB962C8B-B14F-4D97-AF65-F5344CB8AC3E}">
-        <p14:creationId xmlns:p14="http://schemas.microsoft.com/office/powerpoint/2010/main" val="2103916566"/>
+        <p14:creationId xmlns:p14="http://schemas.microsoft.com/office/powerpoint/2010/main" val="4135025515"/>
       </p:ext>
     </p:extLst>
   </p:cSld>
@@ -1905,7 +1905,7 @@
           <p:cNvPr id="2" name="标题 1">
             <a:extLst>
               <a:ext uri="{FF2B5EF4-FFF2-40B4-BE49-F238E27FC236}">
-                <a16:creationId xmlns:a16="http://schemas.microsoft.com/office/drawing/2014/main" id="{5B04D68E-1DEF-EE47-F317-319CAD039B48}"/>
+                <a16:creationId xmlns:a16="http://schemas.microsoft.com/office/drawing/2014/main" id="{7F8FDB00-1EEB-7E1D-4E8B-F40A7BB660CE}"/>
               </a:ext>
             </a:extLst>
           </p:cNvPr>
@@ -1933,7 +1933,7 @@
           <p:cNvPr id="3" name="日期占位符 2">
             <a:extLst>
               <a:ext uri="{FF2B5EF4-FFF2-40B4-BE49-F238E27FC236}">
-                <a16:creationId xmlns:a16="http://schemas.microsoft.com/office/drawing/2014/main" id="{78E88B6D-26C1-7602-DFFB-65C0937991CB}"/>
+                <a16:creationId xmlns:a16="http://schemas.microsoft.com/office/drawing/2014/main" id="{4F89D333-569E-63EB-D1B5-3EB742C4A4C8}"/>
               </a:ext>
             </a:extLst>
           </p:cNvPr>
@@ -1949,7 +1949,7 @@
           <a:bodyPr/>
           <a:lstStyle/>
           <a:p>
-            <a:fld id="{F36EAD12-3631-471C-89E0-3D717AB0D527}" type="datetimeFigureOut">
+            <a:fld id="{7FBEBD2A-85F5-47D1-A1AA-FEA482E0AC85}" type="datetimeFigureOut">
               <a:rPr lang="zh-CN" altLang="en-US" smtClean="0"/>
               <a:t>2024/3/10</a:t>
             </a:fld>
@@ -1962,7 +1962,7 @@
           <p:cNvPr id="4" name="页脚占位符 3">
             <a:extLst>
               <a:ext uri="{FF2B5EF4-FFF2-40B4-BE49-F238E27FC236}">
-                <a16:creationId xmlns:a16="http://schemas.microsoft.com/office/drawing/2014/main" id="{A614977C-2D21-2699-A377-BFB9B34E32A0}"/>
+                <a16:creationId xmlns:a16="http://schemas.microsoft.com/office/drawing/2014/main" id="{E4101BBD-A2D0-469B-EAAF-6CF6550CF544}"/>
               </a:ext>
             </a:extLst>
           </p:cNvPr>
@@ -1987,7 +1987,7 @@
           <p:cNvPr id="5" name="灯片编号占位符 4">
             <a:extLst>
               <a:ext uri="{FF2B5EF4-FFF2-40B4-BE49-F238E27FC236}">
-                <a16:creationId xmlns:a16="http://schemas.microsoft.com/office/drawing/2014/main" id="{D71B40E1-9DF2-C624-6A71-9DF4EC7A157F}"/>
+                <a16:creationId xmlns:a16="http://schemas.microsoft.com/office/drawing/2014/main" id="{C53B4750-A610-77EC-757E-1F2178268B88}"/>
               </a:ext>
             </a:extLst>
           </p:cNvPr>
@@ -2003,7 +2003,7 @@
           <a:bodyPr/>
           <a:lstStyle/>
           <a:p>
-            <a:fld id="{C9215445-81B7-40F6-9223-4ECF76F42A1F}" type="slidenum">
+            <a:fld id="{05F5B3F1-88C6-4467-8E4F-7E0B7FB70B2A}" type="slidenum">
               <a:rPr lang="zh-CN" altLang="en-US" smtClean="0"/>
               <a:t>‹#›</a:t>
             </a:fld>
@@ -2014,7 +2014,7 @@
     </p:spTree>
     <p:extLst>
       <p:ext uri="{BB962C8B-B14F-4D97-AF65-F5344CB8AC3E}">
-        <p14:creationId xmlns:p14="http://schemas.microsoft.com/office/powerpoint/2010/main" val="3382525918"/>
+        <p14:creationId xmlns:p14="http://schemas.microsoft.com/office/powerpoint/2010/main" val="3361962051"/>
       </p:ext>
     </p:extLst>
   </p:cSld>
@@ -2046,7 +2046,7 @@
           <p:cNvPr id="2" name="日期占位符 1">
             <a:extLst>
               <a:ext uri="{FF2B5EF4-FFF2-40B4-BE49-F238E27FC236}">
-                <a16:creationId xmlns:a16="http://schemas.microsoft.com/office/drawing/2014/main" id="{698F208C-2CEB-498D-5818-584EAA2ADFB2}"/>
+                <a16:creationId xmlns:a16="http://schemas.microsoft.com/office/drawing/2014/main" id="{157BA70A-9907-EE9D-477F-3531404BCC3D}"/>
               </a:ext>
             </a:extLst>
           </p:cNvPr>
@@ -2062,7 +2062,7 @@
           <a:bodyPr/>
           <a:lstStyle/>
           <a:p>
-            <a:fld id="{F36EAD12-3631-471C-89E0-3D717AB0D527}" type="datetimeFigureOut">
+            <a:fld id="{7FBEBD2A-85F5-47D1-A1AA-FEA482E0AC85}" type="datetimeFigureOut">
               <a:rPr lang="zh-CN" altLang="en-US" smtClean="0"/>
               <a:t>2024/3/10</a:t>
             </a:fld>
@@ -2075,7 +2075,7 @@
           <p:cNvPr id="3" name="页脚占位符 2">
             <a:extLst>
               <a:ext uri="{FF2B5EF4-FFF2-40B4-BE49-F238E27FC236}">
-                <a16:creationId xmlns:a16="http://schemas.microsoft.com/office/drawing/2014/main" id="{3A47F593-FE17-0B88-78D2-F8661815A9B1}"/>
+                <a16:creationId xmlns:a16="http://schemas.microsoft.com/office/drawing/2014/main" id="{9475FF0D-6FEE-76B2-59B7-8634415CE1E5}"/>
               </a:ext>
             </a:extLst>
           </p:cNvPr>
@@ -2100,7 +2100,7 @@
           <p:cNvPr id="4" name="灯片编号占位符 3">
             <a:extLst>
               <a:ext uri="{FF2B5EF4-FFF2-40B4-BE49-F238E27FC236}">
-                <a16:creationId xmlns:a16="http://schemas.microsoft.com/office/drawing/2014/main" id="{F7F20AE5-40D4-E38B-EA32-2C9E4B25D911}"/>
+                <a16:creationId xmlns:a16="http://schemas.microsoft.com/office/drawing/2014/main" id="{6B85F074-4F04-E93A-0449-9A4806EE6024}"/>
               </a:ext>
             </a:extLst>
           </p:cNvPr>
@@ -2116,7 +2116,7 @@
           <a:bodyPr/>
           <a:lstStyle/>
           <a:p>
-            <a:fld id="{C9215445-81B7-40F6-9223-4ECF76F42A1F}" type="slidenum">
+            <a:fld id="{05F5B3F1-88C6-4467-8E4F-7E0B7FB70B2A}" type="slidenum">
               <a:rPr lang="zh-CN" altLang="en-US" smtClean="0"/>
               <a:t>‹#›</a:t>
             </a:fld>
@@ -2127,7 +2127,7 @@
     </p:spTree>
     <p:extLst>
       <p:ext uri="{BB962C8B-B14F-4D97-AF65-F5344CB8AC3E}">
-        <p14:creationId xmlns:p14="http://schemas.microsoft.com/office/powerpoint/2010/main" val="2442347529"/>
+        <p14:creationId xmlns:p14="http://schemas.microsoft.com/office/powerpoint/2010/main" val="175590874"/>
       </p:ext>
     </p:extLst>
   </p:cSld>
@@ -2159,7 +2159,7 @@
           <p:cNvPr id="2" name="标题 1">
             <a:extLst>
               <a:ext uri="{FF2B5EF4-FFF2-40B4-BE49-F238E27FC236}">
-                <a16:creationId xmlns:a16="http://schemas.microsoft.com/office/drawing/2014/main" id="{8083FC01-E948-69CA-7044-20BFFF113D0E}"/>
+                <a16:creationId xmlns:a16="http://schemas.microsoft.com/office/drawing/2014/main" id="{58EAA1EB-73C6-7048-DD28-C7DF730F70FB}"/>
               </a:ext>
             </a:extLst>
           </p:cNvPr>
@@ -2196,7 +2196,7 @@
           <p:cNvPr id="3" name="内容占位符 2">
             <a:extLst>
               <a:ext uri="{FF2B5EF4-FFF2-40B4-BE49-F238E27FC236}">
-                <a16:creationId xmlns:a16="http://schemas.microsoft.com/office/drawing/2014/main" id="{F450F4E3-2D50-F3AD-572B-06D2D6FFB78B}"/>
+                <a16:creationId xmlns:a16="http://schemas.microsoft.com/office/drawing/2014/main" id="{7DC780C3-2D5E-4569-AE3D-49C2D439E898}"/>
               </a:ext>
             </a:extLst>
           </p:cNvPr>
@@ -2286,7 +2286,7 @@
           <p:cNvPr id="4" name="文本占位符 3">
             <a:extLst>
               <a:ext uri="{FF2B5EF4-FFF2-40B4-BE49-F238E27FC236}">
-                <a16:creationId xmlns:a16="http://schemas.microsoft.com/office/drawing/2014/main" id="{77D9ED1F-DA19-47CF-F424-46611B865309}"/>
+                <a16:creationId xmlns:a16="http://schemas.microsoft.com/office/drawing/2014/main" id="{4E371304-0435-BC1F-A196-9E14A76089CB}"/>
               </a:ext>
             </a:extLst>
           </p:cNvPr>
@@ -2357,7 +2357,7 @@
           <p:cNvPr id="5" name="日期占位符 4">
             <a:extLst>
               <a:ext uri="{FF2B5EF4-FFF2-40B4-BE49-F238E27FC236}">
-                <a16:creationId xmlns:a16="http://schemas.microsoft.com/office/drawing/2014/main" id="{B7F8D820-2F2D-5B42-0FE1-8583A25E55E3}"/>
+                <a16:creationId xmlns:a16="http://schemas.microsoft.com/office/drawing/2014/main" id="{8873F2B2-FB6B-5542-8D19-E337BC4F8367}"/>
               </a:ext>
             </a:extLst>
           </p:cNvPr>
@@ -2373,7 +2373,7 @@
           <a:bodyPr/>
           <a:lstStyle/>
           <a:p>
-            <a:fld id="{F36EAD12-3631-471C-89E0-3D717AB0D527}" type="datetimeFigureOut">
+            <a:fld id="{7FBEBD2A-85F5-47D1-A1AA-FEA482E0AC85}" type="datetimeFigureOut">
               <a:rPr lang="zh-CN" altLang="en-US" smtClean="0"/>
               <a:t>2024/3/10</a:t>
             </a:fld>
@@ -2386,7 +2386,7 @@
           <p:cNvPr id="6" name="页脚占位符 5">
             <a:extLst>
               <a:ext uri="{FF2B5EF4-FFF2-40B4-BE49-F238E27FC236}">
-                <a16:creationId xmlns:a16="http://schemas.microsoft.com/office/drawing/2014/main" id="{BA674A1B-B3CD-D750-AED1-A3E6CF21812C}"/>
+                <a16:creationId xmlns:a16="http://schemas.microsoft.com/office/drawing/2014/main" id="{61393823-C4B1-5DC9-140F-0B124B57809D}"/>
               </a:ext>
             </a:extLst>
           </p:cNvPr>
@@ -2411,7 +2411,7 @@
           <p:cNvPr id="7" name="灯片编号占位符 6">
             <a:extLst>
               <a:ext uri="{FF2B5EF4-FFF2-40B4-BE49-F238E27FC236}">
-                <a16:creationId xmlns:a16="http://schemas.microsoft.com/office/drawing/2014/main" id="{46836604-3879-F53A-0D24-5CE0A5FD9DA1}"/>
+                <a16:creationId xmlns:a16="http://schemas.microsoft.com/office/drawing/2014/main" id="{3A869213-FA20-1DAD-8C47-2A0DB042FCBC}"/>
               </a:ext>
             </a:extLst>
           </p:cNvPr>
@@ -2427,7 +2427,7 @@
           <a:bodyPr/>
           <a:lstStyle/>
           <a:p>
-            <a:fld id="{C9215445-81B7-40F6-9223-4ECF76F42A1F}" type="slidenum">
+            <a:fld id="{05F5B3F1-88C6-4467-8E4F-7E0B7FB70B2A}" type="slidenum">
               <a:rPr lang="zh-CN" altLang="en-US" smtClean="0"/>
               <a:t>‹#›</a:t>
             </a:fld>
@@ -2438,7 +2438,7 @@
     </p:spTree>
     <p:extLst>
       <p:ext uri="{BB962C8B-B14F-4D97-AF65-F5344CB8AC3E}">
-        <p14:creationId xmlns:p14="http://schemas.microsoft.com/office/powerpoint/2010/main" val="3104741840"/>
+        <p14:creationId xmlns:p14="http://schemas.microsoft.com/office/powerpoint/2010/main" val="2305077720"/>
       </p:ext>
     </p:extLst>
   </p:cSld>
@@ -2470,7 +2470,7 @@
           <p:cNvPr id="2" name="标题 1">
             <a:extLst>
               <a:ext uri="{FF2B5EF4-FFF2-40B4-BE49-F238E27FC236}">
-                <a16:creationId xmlns:a16="http://schemas.microsoft.com/office/drawing/2014/main" id="{415AAB84-0ADC-0831-2D53-8BA5A16F6DBA}"/>
+                <a16:creationId xmlns:a16="http://schemas.microsoft.com/office/drawing/2014/main" id="{EDA9B273-7D62-E7A3-8A17-CBA8BB15ECF3}"/>
               </a:ext>
             </a:extLst>
           </p:cNvPr>
@@ -2507,7 +2507,7 @@
           <p:cNvPr id="3" name="图片占位符 2">
             <a:extLst>
               <a:ext uri="{FF2B5EF4-FFF2-40B4-BE49-F238E27FC236}">
-                <a16:creationId xmlns:a16="http://schemas.microsoft.com/office/drawing/2014/main" id="{E63330DF-A1BB-C286-9D18-E45FC597B8AA}"/>
+                <a16:creationId xmlns:a16="http://schemas.microsoft.com/office/drawing/2014/main" id="{8B056E62-8805-1FBF-888C-CC5B0B3D9671}"/>
               </a:ext>
             </a:extLst>
           </p:cNvPr>
@@ -2574,7 +2574,7 @@
           <p:cNvPr id="4" name="文本占位符 3">
             <a:extLst>
               <a:ext uri="{FF2B5EF4-FFF2-40B4-BE49-F238E27FC236}">
-                <a16:creationId xmlns:a16="http://schemas.microsoft.com/office/drawing/2014/main" id="{9B32F45C-6C15-1516-8237-2712F795488A}"/>
+                <a16:creationId xmlns:a16="http://schemas.microsoft.com/office/drawing/2014/main" id="{618A5829-4F0C-D99D-FA2E-D5A503CC92F7}"/>
               </a:ext>
             </a:extLst>
           </p:cNvPr>
@@ -2645,7 +2645,7 @@
           <p:cNvPr id="5" name="日期占位符 4">
             <a:extLst>
               <a:ext uri="{FF2B5EF4-FFF2-40B4-BE49-F238E27FC236}">
-                <a16:creationId xmlns:a16="http://schemas.microsoft.com/office/drawing/2014/main" id="{27878C98-2DA4-A3AF-B704-BA7EAAC53B16}"/>
+                <a16:creationId xmlns:a16="http://schemas.microsoft.com/office/drawing/2014/main" id="{C8895A92-6E35-DC2C-776C-37482751BED4}"/>
               </a:ext>
             </a:extLst>
           </p:cNvPr>
@@ -2661,7 +2661,7 @@
           <a:bodyPr/>
           <a:lstStyle/>
           <a:p>
-            <a:fld id="{F36EAD12-3631-471C-89E0-3D717AB0D527}" type="datetimeFigureOut">
+            <a:fld id="{7FBEBD2A-85F5-47D1-A1AA-FEA482E0AC85}" type="datetimeFigureOut">
               <a:rPr lang="zh-CN" altLang="en-US" smtClean="0"/>
               <a:t>2024/3/10</a:t>
             </a:fld>
@@ -2674,7 +2674,7 @@
           <p:cNvPr id="6" name="页脚占位符 5">
             <a:extLst>
               <a:ext uri="{FF2B5EF4-FFF2-40B4-BE49-F238E27FC236}">
-                <a16:creationId xmlns:a16="http://schemas.microsoft.com/office/drawing/2014/main" id="{374B1F8A-1718-305B-97DA-D019F8F7596F}"/>
+                <a16:creationId xmlns:a16="http://schemas.microsoft.com/office/drawing/2014/main" id="{820CA638-DA8A-47E0-130F-4B607170BA45}"/>
               </a:ext>
             </a:extLst>
           </p:cNvPr>
@@ -2699,7 +2699,7 @@
           <p:cNvPr id="7" name="灯片编号占位符 6">
             <a:extLst>
               <a:ext uri="{FF2B5EF4-FFF2-40B4-BE49-F238E27FC236}">
-                <a16:creationId xmlns:a16="http://schemas.microsoft.com/office/drawing/2014/main" id="{812FED61-ED85-EF2E-88B9-F8CF9B64C307}"/>
+                <a16:creationId xmlns:a16="http://schemas.microsoft.com/office/drawing/2014/main" id="{3803FB08-D66C-C67C-B667-8A4B0A30619C}"/>
               </a:ext>
             </a:extLst>
           </p:cNvPr>
@@ -2715,7 +2715,7 @@
           <a:bodyPr/>
           <a:lstStyle/>
           <a:p>
-            <a:fld id="{C9215445-81B7-40F6-9223-4ECF76F42A1F}" type="slidenum">
+            <a:fld id="{05F5B3F1-88C6-4467-8E4F-7E0B7FB70B2A}" type="slidenum">
               <a:rPr lang="zh-CN" altLang="en-US" smtClean="0"/>
               <a:t>‹#›</a:t>
             </a:fld>
@@ -2726,7 +2726,7 @@
     </p:spTree>
     <p:extLst>
       <p:ext uri="{BB962C8B-B14F-4D97-AF65-F5344CB8AC3E}">
-        <p14:creationId xmlns:p14="http://schemas.microsoft.com/office/powerpoint/2010/main" val="2631451233"/>
+        <p14:creationId xmlns:p14="http://schemas.microsoft.com/office/powerpoint/2010/main" val="2746099053"/>
       </p:ext>
     </p:extLst>
   </p:cSld>
@@ -2763,7 +2763,7 @@
           <p:cNvPr id="2" name="标题占位符 1">
             <a:extLst>
               <a:ext uri="{FF2B5EF4-FFF2-40B4-BE49-F238E27FC236}">
-                <a16:creationId xmlns:a16="http://schemas.microsoft.com/office/drawing/2014/main" id="{FABFFACE-CC6F-7C63-EAF6-848065453ED1}"/>
+                <a16:creationId xmlns:a16="http://schemas.microsoft.com/office/drawing/2014/main" id="{908E1AD9-82F5-A1C6-129D-5CA1B9E99E15}"/>
               </a:ext>
             </a:extLst>
           </p:cNvPr>
@@ -2801,7 +2801,7 @@
           <p:cNvPr id="3" name="文本占位符 2">
             <a:extLst>
               <a:ext uri="{FF2B5EF4-FFF2-40B4-BE49-F238E27FC236}">
-                <a16:creationId xmlns:a16="http://schemas.microsoft.com/office/drawing/2014/main" id="{CD1A985E-9A18-3570-E5F1-71F7BD549258}"/>
+                <a16:creationId xmlns:a16="http://schemas.microsoft.com/office/drawing/2014/main" id="{76E9AA27-74A7-B010-7C07-02A07D2D589D}"/>
               </a:ext>
             </a:extLst>
           </p:cNvPr>
@@ -2868,7 +2868,7 @@
           <p:cNvPr id="4" name="日期占位符 3">
             <a:extLst>
               <a:ext uri="{FF2B5EF4-FFF2-40B4-BE49-F238E27FC236}">
-                <a16:creationId xmlns:a16="http://schemas.microsoft.com/office/drawing/2014/main" id="{9785C576-B99A-B64C-F7C0-7879E8F3AC02}"/>
+                <a16:creationId xmlns:a16="http://schemas.microsoft.com/office/drawing/2014/main" id="{725B841F-3AFA-5D30-E5D1-5F1A6AF02EDC}"/>
               </a:ext>
             </a:extLst>
           </p:cNvPr>
@@ -2902,7 +2902,7 @@
             </a:lvl1pPr>
           </a:lstStyle>
           <a:p>
-            <a:fld id="{F36EAD12-3631-471C-89E0-3D717AB0D527}" type="datetimeFigureOut">
+            <a:fld id="{7FBEBD2A-85F5-47D1-A1AA-FEA482E0AC85}" type="datetimeFigureOut">
               <a:rPr lang="zh-CN" altLang="en-US" smtClean="0"/>
               <a:t>2024/3/10</a:t>
             </a:fld>
@@ -2915,7 +2915,7 @@
           <p:cNvPr id="5" name="页脚占位符 4">
             <a:extLst>
               <a:ext uri="{FF2B5EF4-FFF2-40B4-BE49-F238E27FC236}">
-                <a16:creationId xmlns:a16="http://schemas.microsoft.com/office/drawing/2014/main" id="{35E8D304-2CCF-391E-7CD2-BA16FFC69BBF}"/>
+                <a16:creationId xmlns:a16="http://schemas.microsoft.com/office/drawing/2014/main" id="{93497663-B3F0-DC87-A770-6103DEAB2883}"/>
               </a:ext>
             </a:extLst>
           </p:cNvPr>
@@ -2958,7 +2958,7 @@
           <p:cNvPr id="6" name="灯片编号占位符 5">
             <a:extLst>
               <a:ext uri="{FF2B5EF4-FFF2-40B4-BE49-F238E27FC236}">
-                <a16:creationId xmlns:a16="http://schemas.microsoft.com/office/drawing/2014/main" id="{0308D416-B633-B402-F4CF-F8B4E05F3AF2}"/>
+                <a16:creationId xmlns:a16="http://schemas.microsoft.com/office/drawing/2014/main" id="{5DD0EAE7-58E2-FED5-9DC2-8F93E02B9808}"/>
               </a:ext>
             </a:extLst>
           </p:cNvPr>
@@ -2992,7 +2992,7 @@
             </a:lvl1pPr>
           </a:lstStyle>
           <a:p>
-            <a:fld id="{C9215445-81B7-40F6-9223-4ECF76F42A1F}" type="slidenum">
+            <a:fld id="{05F5B3F1-88C6-4467-8E4F-7E0B7FB70B2A}" type="slidenum">
               <a:rPr lang="zh-CN" altLang="en-US" smtClean="0"/>
               <a:t>‹#›</a:t>
             </a:fld>
@@ -3003,7 +3003,7 @@
     </p:spTree>
     <p:extLst>
       <p:ext uri="{BB962C8B-B14F-4D97-AF65-F5344CB8AC3E}">
-        <p14:creationId xmlns:p14="http://schemas.microsoft.com/office/powerpoint/2010/main" val="535387829"/>
+        <p14:creationId xmlns:p14="http://schemas.microsoft.com/office/powerpoint/2010/main" val="4209765429"/>
       </p:ext>
     </p:extLst>
   </p:cSld>
@@ -3323,7 +3323,7 @@
       </p:grpSpPr>
       <p:pic>
         <p:nvPicPr>
-          <p:cNvPr id="1358850" name="Picture 2" descr="1326"/>
+          <p:cNvPr id="1359874" name="Picture 2" descr="1327"/>
           <p:cNvPicPr>
             <a:picLocks noChangeAspect="1" noChangeArrowheads="1"/>
           </p:cNvPicPr>
@@ -3345,7 +3345,7 @@
         <p:spPr bwMode="auto">
           <a:xfrm>
             <a:off x="1524000" y="0"/>
-            <a:ext cx="9144000" cy="6858000"/>
+            <a:ext cx="9144000" cy="4076700"/>
           </a:xfrm>
           <a:prstGeom prst="rect">
             <a:avLst/>
